--- a/images/ICs_diagram.pptx
+++ b/images/ICs_diagram.pptx
@@ -104,6 +104,11 @@
       </a:defRPr>
     </a:lvl9pPr>
   </p:defaultTextStyle>
+  <p:extLst>
+    <p:ext uri="{EFAFB233-063F-42B5-8137-9DF3F51BA10A}">
+      <p15:sldGuideLst xmlns:p15="http://schemas.microsoft.com/office/powerpoint/2012/main"/>
+    </p:ext>
+  </p:extLst>
 </p:presentation>
 </file>
 
@@ -254,7 +259,7 @@
           <a:p>
             <a:fld id="{B9F2640D-A4A4-EC44-9402-5F4027EDD876}" type="datetimeFigureOut">
               <a:rPr lang="en-US" smtClean="0"/>
-              <a:t>2/8/23</a:t>
+              <a:t>7/25/23</a:t>
             </a:fld>
             <a:endParaRPr lang="en-US"/>
           </a:p>
@@ -452,7 +457,7 @@
           <a:p>
             <a:fld id="{B9F2640D-A4A4-EC44-9402-5F4027EDD876}" type="datetimeFigureOut">
               <a:rPr lang="en-US" smtClean="0"/>
-              <a:t>2/8/23</a:t>
+              <a:t>7/25/23</a:t>
             </a:fld>
             <a:endParaRPr lang="en-US"/>
           </a:p>
@@ -660,7 +665,7 @@
           <a:p>
             <a:fld id="{B9F2640D-A4A4-EC44-9402-5F4027EDD876}" type="datetimeFigureOut">
               <a:rPr lang="en-US" smtClean="0"/>
-              <a:t>2/8/23</a:t>
+              <a:t>7/25/23</a:t>
             </a:fld>
             <a:endParaRPr lang="en-US"/>
           </a:p>
@@ -858,7 +863,7 @@
           <a:p>
             <a:fld id="{B9F2640D-A4A4-EC44-9402-5F4027EDD876}" type="datetimeFigureOut">
               <a:rPr lang="en-US" smtClean="0"/>
-              <a:t>2/8/23</a:t>
+              <a:t>7/25/23</a:t>
             </a:fld>
             <a:endParaRPr lang="en-US"/>
           </a:p>
@@ -1133,7 +1138,7 @@
           <a:p>
             <a:fld id="{B9F2640D-A4A4-EC44-9402-5F4027EDD876}" type="datetimeFigureOut">
               <a:rPr lang="en-US" smtClean="0"/>
-              <a:t>2/8/23</a:t>
+              <a:t>7/25/23</a:t>
             </a:fld>
             <a:endParaRPr lang="en-US"/>
           </a:p>
@@ -1398,7 +1403,7 @@
           <a:p>
             <a:fld id="{B9F2640D-A4A4-EC44-9402-5F4027EDD876}" type="datetimeFigureOut">
               <a:rPr lang="en-US" smtClean="0"/>
-              <a:t>2/8/23</a:t>
+              <a:t>7/25/23</a:t>
             </a:fld>
             <a:endParaRPr lang="en-US"/>
           </a:p>
@@ -1810,7 +1815,7 @@
           <a:p>
             <a:fld id="{B9F2640D-A4A4-EC44-9402-5F4027EDD876}" type="datetimeFigureOut">
               <a:rPr lang="en-US" smtClean="0"/>
-              <a:t>2/8/23</a:t>
+              <a:t>7/25/23</a:t>
             </a:fld>
             <a:endParaRPr lang="en-US"/>
           </a:p>
@@ -1951,7 +1956,7 @@
           <a:p>
             <a:fld id="{B9F2640D-A4A4-EC44-9402-5F4027EDD876}" type="datetimeFigureOut">
               <a:rPr lang="en-US" smtClean="0"/>
-              <a:t>2/8/23</a:t>
+              <a:t>7/25/23</a:t>
             </a:fld>
             <a:endParaRPr lang="en-US"/>
           </a:p>
@@ -2064,7 +2069,7 @@
           <a:p>
             <a:fld id="{B9F2640D-A4A4-EC44-9402-5F4027EDD876}" type="datetimeFigureOut">
               <a:rPr lang="en-US" smtClean="0"/>
-              <a:t>2/8/23</a:t>
+              <a:t>7/25/23</a:t>
             </a:fld>
             <a:endParaRPr lang="en-US"/>
           </a:p>
@@ -2375,7 +2380,7 @@
           <a:p>
             <a:fld id="{B9F2640D-A4A4-EC44-9402-5F4027EDD876}" type="datetimeFigureOut">
               <a:rPr lang="en-US" smtClean="0"/>
-              <a:t>2/8/23</a:t>
+              <a:t>7/25/23</a:t>
             </a:fld>
             <a:endParaRPr lang="en-US"/>
           </a:p>
@@ -2663,7 +2668,7 @@
           <a:p>
             <a:fld id="{B9F2640D-A4A4-EC44-9402-5F4027EDD876}" type="datetimeFigureOut">
               <a:rPr lang="en-US" smtClean="0"/>
-              <a:t>2/8/23</a:t>
+              <a:t>7/25/23</a:t>
             </a:fld>
             <a:endParaRPr lang="en-US"/>
           </a:p>
@@ -2904,7 +2909,7 @@
           <a:p>
             <a:fld id="{B9F2640D-A4A4-EC44-9402-5F4027EDD876}" type="datetimeFigureOut">
               <a:rPr lang="en-US" smtClean="0"/>
-              <a:t>2/8/23</a:t>
+              <a:t>7/25/23</a:t>
             </a:fld>
             <a:endParaRPr lang="en-US"/>
           </a:p>
@@ -3323,10 +3328,10 @@
       </p:grpSpPr>
       <p:sp>
         <p:nvSpPr>
-          <p:cNvPr id="4" name="Rectangle 3">
-            <a:extLst>
-              <a:ext uri="{FF2B5EF4-FFF2-40B4-BE49-F238E27FC236}">
-                <a16:creationId xmlns:a16="http://schemas.microsoft.com/office/drawing/2014/main" id="{7B350B64-75CC-E3D7-0E7A-46F01A3D3577}"/>
+          <p:cNvPr id="2" name="Oval 1">
+            <a:extLst>
+              <a:ext uri="{FF2B5EF4-FFF2-40B4-BE49-F238E27FC236}">
+                <a16:creationId xmlns:a16="http://schemas.microsoft.com/office/drawing/2014/main" id="{63C87F75-A79C-ABF2-D9B9-10124FF78E6F}"/>
               </a:ext>
             </a:extLst>
           </p:cNvPr>
@@ -3335,64 +3340,911 @@
         </p:nvSpPr>
         <p:spPr>
           <a:xfrm>
-            <a:off x="1751308" y="1487837"/>
-            <a:ext cx="1751309" cy="681926"/>
+            <a:off x="2517779" y="3638900"/>
+            <a:ext cx="1222513" cy="1222513"/>
+          </a:xfrm>
+          <a:prstGeom prst="ellipse">
+            <a:avLst/>
+          </a:prstGeom>
+          <a:solidFill>
+            <a:schemeClr val="accent5">
+              <a:lumMod val="60000"/>
+              <a:lumOff val="40000"/>
+            </a:schemeClr>
+          </a:solidFill>
+          <a:ln w="12700" cap="flat">
+            <a:solidFill>
+              <a:schemeClr val="accent1"/>
+            </a:solidFill>
+            <a:prstDash val="solid"/>
+            <a:miter lim="800000"/>
+          </a:ln>
+          <a:effectLst/>
+          <a:sp3d/>
+        </p:spPr>
+        <p:style>
+          <a:lnRef idx="0">
+            <a:scrgbClr r="0" g="0" b="0"/>
+          </a:lnRef>
+          <a:fillRef idx="0">
+            <a:scrgbClr r="0" g="0" b="0"/>
+          </a:fillRef>
+          <a:effectRef idx="0">
+            <a:scrgbClr r="0" g="0" b="0"/>
+          </a:effectRef>
+          <a:fontRef idx="none"/>
+        </p:style>
+        <p:txBody>
+          <a:bodyPr rot="0" spcFirstLastPara="1" vertOverflow="overflow" horzOverflow="overflow" vert="horz" wrap="square" lIns="45719" tIns="45719" rIns="45719" bIns="45719" numCol="1" spcCol="38100" rtlCol="0" anchor="ctr">
+            <a:spAutoFit/>
+          </a:bodyPr>
+          <a:lstStyle/>
+          <a:p>
+            <a:pPr marL="0" marR="0" indent="0" algn="l" defTabSz="684212" rtl="0" fontAlgn="auto" latinLnBrk="0" hangingPunct="0">
+              <a:lnSpc>
+                <a:spcPct val="100000"/>
+              </a:lnSpc>
+              <a:spcBef>
+                <a:spcPts val="0"/>
+              </a:spcBef>
+              <a:spcAft>
+                <a:spcPts val="0"/>
+              </a:spcAft>
+              <a:buClrTx/>
+              <a:buSzTx/>
+              <a:buFontTx/>
+              <a:buNone/>
+              <a:tabLst/>
+            </a:pPr>
+            <a:endParaRPr kumimoji="0" lang="en-US" sz="1300" b="0" i="0" u="none" strike="noStrike" cap="none" spc="0" normalizeH="0" baseline="0">
+              <a:ln>
+                <a:noFill/>
+              </a:ln>
+              <a:solidFill>
+                <a:srgbClr val="000000"/>
+              </a:solidFill>
+              <a:effectLst/>
+              <a:uFillTx/>
+              <a:latin typeface="Arial"/>
+              <a:ea typeface="Arial"/>
+              <a:cs typeface="Arial"/>
+              <a:sym typeface="Arial"/>
+            </a:endParaRPr>
+          </a:p>
+        </p:txBody>
+      </p:sp>
+      <p:sp>
+        <p:nvSpPr>
+          <p:cNvPr id="3" name="Rectangle 2">
+            <a:extLst>
+              <a:ext uri="{FF2B5EF4-FFF2-40B4-BE49-F238E27FC236}">
+                <a16:creationId xmlns:a16="http://schemas.microsoft.com/office/drawing/2014/main" id="{F2F71189-35EB-254A-AED8-4C2A9AFCBF41}"/>
+              </a:ext>
+            </a:extLst>
+          </p:cNvPr>
+          <p:cNvSpPr/>
+          <p:nvPr/>
+        </p:nvSpPr>
+        <p:spPr>
+          <a:xfrm>
+            <a:off x="4544541" y="3993589"/>
+            <a:ext cx="1500809" cy="626165"/>
+          </a:xfrm>
+          <a:prstGeom prst="rect">
+            <a:avLst/>
+          </a:prstGeom>
+          <a:solidFill>
+            <a:srgbClr val="FFFFFF"/>
+          </a:solidFill>
+          <a:ln w="12700" cap="flat">
+            <a:solidFill>
+              <a:schemeClr val="accent1"/>
+            </a:solidFill>
+            <a:prstDash val="solid"/>
+            <a:miter lim="800000"/>
+          </a:ln>
+          <a:effectLst/>
+          <a:sp3d/>
+        </p:spPr>
+        <p:style>
+          <a:lnRef idx="0">
+            <a:scrgbClr r="0" g="0" b="0"/>
+          </a:lnRef>
+          <a:fillRef idx="0">
+            <a:scrgbClr r="0" g="0" b="0"/>
+          </a:fillRef>
+          <a:effectRef idx="0">
+            <a:scrgbClr r="0" g="0" b="0"/>
+          </a:effectRef>
+          <a:fontRef idx="none"/>
+        </p:style>
+        <p:txBody>
+          <a:bodyPr rot="0" spcFirstLastPara="1" vertOverflow="overflow" horzOverflow="overflow" vert="horz" wrap="square" lIns="45719" tIns="45719" rIns="45719" bIns="45719" numCol="1" spcCol="38100" rtlCol="0" anchor="ctr">
+            <a:spAutoFit/>
+          </a:bodyPr>
+          <a:lstStyle/>
+          <a:p>
+            <a:pPr marL="0" marR="0" indent="0" algn="l" defTabSz="684212" rtl="0" fontAlgn="auto" latinLnBrk="0" hangingPunct="0">
+              <a:lnSpc>
+                <a:spcPct val="100000"/>
+              </a:lnSpc>
+              <a:spcBef>
+                <a:spcPts val="0"/>
+              </a:spcBef>
+              <a:spcAft>
+                <a:spcPts val="0"/>
+              </a:spcAft>
+              <a:buClrTx/>
+              <a:buSzTx/>
+              <a:buFontTx/>
+              <a:buNone/>
+              <a:tabLst/>
+            </a:pPr>
+            <a:endParaRPr kumimoji="0" lang="en-US" sz="1300" b="0" i="0" u="none" strike="noStrike" cap="none" spc="0" normalizeH="0" baseline="0">
+              <a:ln>
+                <a:noFill/>
+              </a:ln>
+              <a:solidFill>
+                <a:srgbClr val="000000"/>
+              </a:solidFill>
+              <a:effectLst/>
+              <a:uFillTx/>
+              <a:latin typeface="Arial"/>
+              <a:ea typeface="Arial"/>
+              <a:cs typeface="Arial"/>
+              <a:sym typeface="Arial"/>
+            </a:endParaRPr>
+          </a:p>
+        </p:txBody>
+      </p:sp>
+      <p:sp>
+        <p:nvSpPr>
+          <p:cNvPr id="5" name="Oval 4">
+            <a:extLst>
+              <a:ext uri="{FF2B5EF4-FFF2-40B4-BE49-F238E27FC236}">
+                <a16:creationId xmlns:a16="http://schemas.microsoft.com/office/drawing/2014/main" id="{D01CC702-C9F6-F853-D867-C72E74A58B5E}"/>
+              </a:ext>
+            </a:extLst>
+          </p:cNvPr>
+          <p:cNvSpPr/>
+          <p:nvPr/>
+        </p:nvSpPr>
+        <p:spPr>
+          <a:xfrm>
+            <a:off x="2824235" y="3945356"/>
+            <a:ext cx="609600" cy="609600"/>
+          </a:xfrm>
+          <a:prstGeom prst="ellipse">
+            <a:avLst/>
+          </a:prstGeom>
+          <a:solidFill>
+            <a:srgbClr val="FFFFFF"/>
+          </a:solidFill>
+          <a:ln w="12700" cap="flat">
+            <a:solidFill>
+              <a:schemeClr val="accent1"/>
+            </a:solidFill>
+            <a:prstDash val="solid"/>
+            <a:miter lim="800000"/>
+          </a:ln>
+          <a:effectLst/>
+          <a:sp3d/>
+        </p:spPr>
+        <p:style>
+          <a:lnRef idx="0">
+            <a:scrgbClr r="0" g="0" b="0"/>
+          </a:lnRef>
+          <a:fillRef idx="0">
+            <a:scrgbClr r="0" g="0" b="0"/>
+          </a:fillRef>
+          <a:effectRef idx="0">
+            <a:scrgbClr r="0" g="0" b="0"/>
+          </a:effectRef>
+          <a:fontRef idx="none"/>
+        </p:style>
+        <p:txBody>
+          <a:bodyPr rot="0" spcFirstLastPara="1" vertOverflow="overflow" horzOverflow="overflow" vert="horz" wrap="square" lIns="45719" tIns="45719" rIns="45719" bIns="45719" numCol="1" spcCol="38100" rtlCol="0" anchor="ctr">
+            <a:spAutoFit/>
+          </a:bodyPr>
+          <a:lstStyle/>
+          <a:p>
+            <a:pPr marL="0" marR="0" indent="0" algn="l" defTabSz="684212" rtl="0" fontAlgn="auto" latinLnBrk="0" hangingPunct="0">
+              <a:lnSpc>
+                <a:spcPct val="100000"/>
+              </a:lnSpc>
+              <a:spcBef>
+                <a:spcPts val="0"/>
+              </a:spcBef>
+              <a:spcAft>
+                <a:spcPts val="0"/>
+              </a:spcAft>
+              <a:buClrTx/>
+              <a:buSzTx/>
+              <a:buFontTx/>
+              <a:buNone/>
+              <a:tabLst/>
+            </a:pPr>
+            <a:endParaRPr kumimoji="0" lang="en-US" sz="1300" b="0" i="0" u="none" strike="noStrike" cap="none" spc="0" normalizeH="0" baseline="0">
+              <a:ln>
+                <a:noFill/>
+              </a:ln>
+              <a:solidFill>
+                <a:srgbClr val="000000"/>
+              </a:solidFill>
+              <a:effectLst/>
+              <a:uFillTx/>
+              <a:latin typeface="Arial"/>
+              <a:ea typeface="Arial"/>
+              <a:cs typeface="Arial"/>
+              <a:sym typeface="Arial"/>
+            </a:endParaRPr>
+          </a:p>
+        </p:txBody>
+      </p:sp>
+      <p:cxnSp>
+        <p:nvCxnSpPr>
+          <p:cNvPr id="7" name="Straight Arrow Connector 6">
+            <a:extLst>
+              <a:ext uri="{FF2B5EF4-FFF2-40B4-BE49-F238E27FC236}">
+                <a16:creationId xmlns:a16="http://schemas.microsoft.com/office/drawing/2014/main" id="{9E0859A8-C0FF-5A45-CB82-5D6F47F253A5}"/>
+              </a:ext>
+            </a:extLst>
+          </p:cNvPr>
+          <p:cNvCxnSpPr>
+            <a:cxnSpLocks/>
+            <a:endCxn id="3" idx="3"/>
+          </p:cNvCxnSpPr>
+          <p:nvPr/>
+        </p:nvCxnSpPr>
+        <p:spPr>
+          <a:xfrm>
+            <a:off x="5294945" y="4306671"/>
+            <a:ext cx="750405" cy="1"/>
+          </a:xfrm>
+          <a:prstGeom prst="straightConnector1">
+            <a:avLst/>
+          </a:prstGeom>
+          <a:noFill/>
+          <a:ln w="12700" cap="flat">
+            <a:solidFill>
+              <a:schemeClr val="tx1"/>
+            </a:solidFill>
+            <a:prstDash val="solid"/>
+            <a:miter lim="800000"/>
+            <a:tailEnd type="triangle"/>
+          </a:ln>
+          <a:effectLst/>
+          <a:sp3d/>
+        </p:spPr>
+        <p:style>
+          <a:lnRef idx="0">
+            <a:scrgbClr r="0" g="0" b="0"/>
+          </a:lnRef>
+          <a:fillRef idx="0">
+            <a:scrgbClr r="0" g="0" b="0"/>
+          </a:fillRef>
+          <a:effectRef idx="0">
+            <a:scrgbClr r="0" g="0" b="0"/>
+          </a:effectRef>
+          <a:fontRef idx="none"/>
+        </p:style>
+      </p:cxnSp>
+      <p:cxnSp>
+        <p:nvCxnSpPr>
+          <p:cNvPr id="9" name="Straight Arrow Connector 8">
+            <a:extLst>
+              <a:ext uri="{FF2B5EF4-FFF2-40B4-BE49-F238E27FC236}">
+                <a16:creationId xmlns:a16="http://schemas.microsoft.com/office/drawing/2014/main" id="{3A062793-62F6-3C92-FBD9-EEA0A6133768}"/>
+              </a:ext>
+            </a:extLst>
+          </p:cNvPr>
+          <p:cNvCxnSpPr>
+            <a:cxnSpLocks/>
+            <a:endCxn id="2" idx="6"/>
+          </p:cNvCxnSpPr>
+          <p:nvPr/>
+        </p:nvCxnSpPr>
+        <p:spPr>
+          <a:xfrm>
+            <a:off x="3129035" y="4250155"/>
+            <a:ext cx="611257" cy="2"/>
+          </a:xfrm>
+          <a:prstGeom prst="straightConnector1">
+            <a:avLst/>
+          </a:prstGeom>
+          <a:noFill/>
+          <a:ln w="12700" cap="flat">
+            <a:solidFill>
+              <a:schemeClr val="tx1"/>
+            </a:solidFill>
+            <a:prstDash val="solid"/>
+            <a:miter lim="800000"/>
+            <a:tailEnd type="triangle"/>
+          </a:ln>
+          <a:effectLst/>
+          <a:sp3d/>
+        </p:spPr>
+        <p:style>
+          <a:lnRef idx="0">
+            <a:scrgbClr r="0" g="0" b="0"/>
+          </a:lnRef>
+          <a:fillRef idx="0">
+            <a:scrgbClr r="0" g="0" b="0"/>
+          </a:fillRef>
+          <a:effectRef idx="0">
+            <a:scrgbClr r="0" g="0" b="0"/>
+          </a:effectRef>
+          <a:fontRef idx="none"/>
+        </p:style>
+      </p:cxnSp>
+      <p:cxnSp>
+        <p:nvCxnSpPr>
+          <p:cNvPr id="10" name="Straight Arrow Connector 9">
+            <a:extLst>
+              <a:ext uri="{FF2B5EF4-FFF2-40B4-BE49-F238E27FC236}">
+                <a16:creationId xmlns:a16="http://schemas.microsoft.com/office/drawing/2014/main" id="{DB602273-D65F-07B9-5475-E9531F41A42C}"/>
+              </a:ext>
+            </a:extLst>
+          </p:cNvPr>
+          <p:cNvCxnSpPr>
+            <a:cxnSpLocks/>
+            <a:endCxn id="3" idx="0"/>
+          </p:cNvCxnSpPr>
+          <p:nvPr/>
+        </p:nvCxnSpPr>
+        <p:spPr>
+          <a:xfrm flipV="1">
+            <a:off x="5294945" y="3993589"/>
+            <a:ext cx="1" cy="313082"/>
+          </a:xfrm>
+          <a:prstGeom prst="straightConnector1">
+            <a:avLst/>
+          </a:prstGeom>
+          <a:noFill/>
+          <a:ln w="12700" cap="flat">
+            <a:solidFill>
+              <a:schemeClr val="tx1"/>
+            </a:solidFill>
+            <a:prstDash val="solid"/>
+            <a:miter lim="800000"/>
+            <a:tailEnd type="triangle"/>
+          </a:ln>
+          <a:effectLst/>
+          <a:sp3d/>
+        </p:spPr>
+        <p:style>
+          <a:lnRef idx="0">
+            <a:scrgbClr r="0" g="0" b="0"/>
+          </a:lnRef>
+          <a:fillRef idx="0">
+            <a:scrgbClr r="0" g="0" b="0"/>
+          </a:fillRef>
+          <a:effectRef idx="0">
+            <a:scrgbClr r="0" g="0" b="0"/>
+          </a:effectRef>
+          <a:fontRef idx="none"/>
+        </p:style>
+      </p:cxnSp>
+      <p:cxnSp>
+        <p:nvCxnSpPr>
+          <p:cNvPr id="13" name="Straight Arrow Connector 12">
+            <a:extLst>
+              <a:ext uri="{FF2B5EF4-FFF2-40B4-BE49-F238E27FC236}">
+                <a16:creationId xmlns:a16="http://schemas.microsoft.com/office/drawing/2014/main" id="{1049BA1D-2FA6-6A9D-462E-ADAF5FB8D5F4}"/>
+              </a:ext>
+            </a:extLst>
+          </p:cNvPr>
+          <p:cNvCxnSpPr>
+            <a:cxnSpLocks/>
+            <a:endCxn id="5" idx="7"/>
+          </p:cNvCxnSpPr>
+          <p:nvPr/>
+        </p:nvCxnSpPr>
+        <p:spPr>
+          <a:xfrm flipV="1">
+            <a:off x="3129035" y="4034630"/>
+            <a:ext cx="215526" cy="215525"/>
+          </a:xfrm>
+          <a:prstGeom prst="straightConnector1">
+            <a:avLst/>
+          </a:prstGeom>
+          <a:noFill/>
+          <a:ln w="12700" cap="flat">
+            <a:solidFill>
+              <a:schemeClr val="tx1"/>
+            </a:solidFill>
+            <a:prstDash val="solid"/>
+            <a:miter lim="800000"/>
+            <a:tailEnd type="triangle"/>
+          </a:ln>
+          <a:effectLst/>
+          <a:sp3d/>
+        </p:spPr>
+        <p:style>
+          <a:lnRef idx="0">
+            <a:scrgbClr r="0" g="0" b="0"/>
+          </a:lnRef>
+          <a:fillRef idx="0">
+            <a:scrgbClr r="0" g="0" b="0"/>
+          </a:fillRef>
+          <a:effectRef idx="0">
+            <a:scrgbClr r="0" g="0" b="0"/>
+          </a:effectRef>
+          <a:fontRef idx="none"/>
+        </p:style>
+      </p:cxnSp>
+      <p:sp>
+        <p:nvSpPr>
+          <p:cNvPr id="16" name="TextBox 15">
+            <a:extLst>
+              <a:ext uri="{FF2B5EF4-FFF2-40B4-BE49-F238E27FC236}">
+                <a16:creationId xmlns:a16="http://schemas.microsoft.com/office/drawing/2014/main" id="{250A9875-A594-4102-CD87-F04F9D82149F}"/>
+              </a:ext>
+            </a:extLst>
+          </p:cNvPr>
+          <p:cNvSpPr txBox="1"/>
+          <p:nvPr/>
+        </p:nvSpPr>
+        <p:spPr>
+          <a:xfrm>
+            <a:off x="3018628" y="3996900"/>
+            <a:ext cx="213200" cy="200055"/>
+          </a:xfrm>
+          <a:prstGeom prst="rect">
+            <a:avLst/>
+          </a:prstGeom>
+          <a:noFill/>
+          <a:ln w="12700" cap="flat">
+            <a:noFill/>
+            <a:miter lim="400000"/>
+          </a:ln>
+          <a:effectLst/>
+          <a:sp3d/>
+        </p:spPr>
+        <p:style>
+          <a:lnRef idx="0">
+            <a:scrgbClr r="0" g="0" b="0"/>
+          </a:lnRef>
+          <a:fillRef idx="0">
+            <a:scrgbClr r="0" g="0" b="0"/>
+          </a:fillRef>
+          <a:effectRef idx="0">
+            <a:scrgbClr r="0" g="0" b="0"/>
+          </a:effectRef>
+          <a:fontRef idx="none"/>
+        </p:style>
+        <p:txBody>
+          <a:bodyPr rot="0" spcFirstLastPara="1" vertOverflow="overflow" horzOverflow="overflow" vert="horz" wrap="none" lIns="0" tIns="0" rIns="0" bIns="0" numCol="1" spcCol="38100" rtlCol="0" anchor="t">
+            <a:spAutoFit/>
+          </a:bodyPr>
+          <a:lstStyle/>
+          <a:p>
+            <a:pPr marL="0" marR="0" indent="0" algn="l" defTabSz="684212" rtl="0" fontAlgn="auto" latinLnBrk="0" hangingPunct="0">
+              <a:lnSpc>
+                <a:spcPct val="100000"/>
+              </a:lnSpc>
+              <a:spcBef>
+                <a:spcPts val="0"/>
+              </a:spcBef>
+              <a:spcAft>
+                <a:spcPts val="0"/>
+              </a:spcAft>
+              <a:buClrTx/>
+              <a:buSzTx/>
+              <a:buFontTx/>
+              <a:buNone/>
+              <a:tabLst/>
+            </a:pPr>
+            <a:r>
+              <a:rPr kumimoji="0" lang="en-US" sz="1300" b="0" i="0" u="none" strike="noStrike" cap="none" spc="0" normalizeH="0" baseline="0" dirty="0">
+                <a:ln>
+                  <a:noFill/>
+                </a:ln>
+                <a:solidFill>
+                  <a:srgbClr val="000000"/>
+                </a:solidFill>
+                <a:effectLst/>
+                <a:uFillTx/>
+                <a:latin typeface="Arial"/>
+                <a:ea typeface="Arial"/>
+                <a:cs typeface="Arial"/>
+                <a:sym typeface="Arial"/>
+              </a:rPr>
+              <a:t>R1</a:t>
+            </a:r>
+          </a:p>
+        </p:txBody>
+      </p:sp>
+      <p:sp>
+        <p:nvSpPr>
+          <p:cNvPr id="17" name="TextBox 16">
+            <a:extLst>
+              <a:ext uri="{FF2B5EF4-FFF2-40B4-BE49-F238E27FC236}">
+                <a16:creationId xmlns:a16="http://schemas.microsoft.com/office/drawing/2014/main" id="{7E17FE23-DD52-B382-273F-4C0AB57A1BC6}"/>
+              </a:ext>
+            </a:extLst>
+          </p:cNvPr>
+          <p:cNvSpPr txBox="1"/>
+          <p:nvPr/>
+        </p:nvSpPr>
+        <p:spPr>
+          <a:xfrm>
+            <a:off x="3428957" y="4265627"/>
+            <a:ext cx="213200" cy="200055"/>
+          </a:xfrm>
+          <a:prstGeom prst="rect">
+            <a:avLst/>
+          </a:prstGeom>
+          <a:noFill/>
+          <a:ln w="12700" cap="flat">
+            <a:noFill/>
+            <a:miter lim="400000"/>
+          </a:ln>
+          <a:effectLst/>
+          <a:sp3d/>
+        </p:spPr>
+        <p:style>
+          <a:lnRef idx="0">
+            <a:scrgbClr r="0" g="0" b="0"/>
+          </a:lnRef>
+          <a:fillRef idx="0">
+            <a:scrgbClr r="0" g="0" b="0"/>
+          </a:fillRef>
+          <a:effectRef idx="0">
+            <a:scrgbClr r="0" g="0" b="0"/>
+          </a:effectRef>
+          <a:fontRef idx="none"/>
+        </p:style>
+        <p:txBody>
+          <a:bodyPr rot="0" spcFirstLastPara="1" vertOverflow="overflow" horzOverflow="overflow" vert="horz" wrap="none" lIns="0" tIns="0" rIns="0" bIns="0" numCol="1" spcCol="38100" rtlCol="0" anchor="t">
+            <a:spAutoFit/>
+          </a:bodyPr>
+          <a:lstStyle/>
+          <a:p>
+            <a:pPr marL="0" marR="0" indent="0" algn="l" defTabSz="684212" rtl="0" fontAlgn="auto" latinLnBrk="0" hangingPunct="0">
+              <a:lnSpc>
+                <a:spcPct val="100000"/>
+              </a:lnSpc>
+              <a:spcBef>
+                <a:spcPts val="0"/>
+              </a:spcBef>
+              <a:spcAft>
+                <a:spcPts val="0"/>
+              </a:spcAft>
+              <a:buClrTx/>
+              <a:buSzTx/>
+              <a:buFontTx/>
+              <a:buNone/>
+              <a:tabLst/>
+            </a:pPr>
+            <a:r>
+              <a:rPr kumimoji="0" lang="en-US" sz="1300" b="0" i="0" u="none" strike="noStrike" cap="none" spc="0" normalizeH="0" baseline="0" dirty="0">
+                <a:ln>
+                  <a:noFill/>
+                </a:ln>
+                <a:solidFill>
+                  <a:srgbClr val="000000"/>
+                </a:solidFill>
+                <a:effectLst/>
+                <a:uFillTx/>
+                <a:latin typeface="Arial"/>
+                <a:ea typeface="Arial"/>
+                <a:cs typeface="Arial"/>
+                <a:sym typeface="Arial"/>
+              </a:rPr>
+              <a:t>R2</a:t>
+            </a:r>
+          </a:p>
+        </p:txBody>
+      </p:sp>
+      <p:sp>
+        <p:nvSpPr>
+          <p:cNvPr id="18" name="TextBox 17">
+            <a:extLst>
+              <a:ext uri="{FF2B5EF4-FFF2-40B4-BE49-F238E27FC236}">
+                <a16:creationId xmlns:a16="http://schemas.microsoft.com/office/drawing/2014/main" id="{0FDBFFC8-E1F4-3F4E-10FA-C41869859380}"/>
+              </a:ext>
+            </a:extLst>
+          </p:cNvPr>
+          <p:cNvSpPr txBox="1"/>
+          <p:nvPr/>
+        </p:nvSpPr>
+        <p:spPr>
+          <a:xfrm>
+            <a:off x="5469371" y="4306671"/>
+            <a:ext cx="213200" cy="200055"/>
+          </a:xfrm>
+          <a:prstGeom prst="rect">
+            <a:avLst/>
+          </a:prstGeom>
+          <a:noFill/>
+          <a:ln w="12700" cap="flat">
+            <a:noFill/>
+            <a:miter lim="400000"/>
+          </a:ln>
+          <a:effectLst/>
+          <a:sp3d/>
+        </p:spPr>
+        <p:style>
+          <a:lnRef idx="0">
+            <a:scrgbClr r="0" g="0" b="0"/>
+          </a:lnRef>
+          <a:fillRef idx="0">
+            <a:scrgbClr r="0" g="0" b="0"/>
+          </a:fillRef>
+          <a:effectRef idx="0">
+            <a:scrgbClr r="0" g="0" b="0"/>
+          </a:effectRef>
+          <a:fontRef idx="none"/>
+        </p:style>
+        <p:txBody>
+          <a:bodyPr rot="0" spcFirstLastPara="1" vertOverflow="overflow" horzOverflow="overflow" vert="horz" wrap="none" lIns="0" tIns="0" rIns="0" bIns="0" numCol="1" spcCol="38100" rtlCol="0" anchor="t">
+            <a:spAutoFit/>
+          </a:bodyPr>
+          <a:lstStyle/>
+          <a:p>
+            <a:pPr marL="0" marR="0" indent="0" algn="l" defTabSz="684212" rtl="0" fontAlgn="auto" latinLnBrk="0" hangingPunct="0">
+              <a:lnSpc>
+                <a:spcPct val="100000"/>
+              </a:lnSpc>
+              <a:spcBef>
+                <a:spcPts val="0"/>
+              </a:spcBef>
+              <a:spcAft>
+                <a:spcPts val="0"/>
+              </a:spcAft>
+              <a:buClrTx/>
+              <a:buSzTx/>
+              <a:buFontTx/>
+              <a:buNone/>
+              <a:tabLst/>
+            </a:pPr>
+            <a:r>
+              <a:rPr kumimoji="0" lang="en-US" sz="1300" b="0" i="0" u="none" strike="noStrike" cap="none" spc="0" normalizeH="0" baseline="0" dirty="0">
+                <a:ln>
+                  <a:noFill/>
+                </a:ln>
+                <a:solidFill>
+                  <a:srgbClr val="000000"/>
+                </a:solidFill>
+                <a:effectLst/>
+                <a:uFillTx/>
+                <a:latin typeface="Arial"/>
+                <a:ea typeface="Arial"/>
+                <a:cs typeface="Arial"/>
+                <a:sym typeface="Arial"/>
+              </a:rPr>
+              <a:t>R1</a:t>
+            </a:r>
+          </a:p>
+        </p:txBody>
+      </p:sp>
+      <p:sp>
+        <p:nvSpPr>
+          <p:cNvPr id="19" name="TextBox 18">
+            <a:extLst>
+              <a:ext uri="{FF2B5EF4-FFF2-40B4-BE49-F238E27FC236}">
+                <a16:creationId xmlns:a16="http://schemas.microsoft.com/office/drawing/2014/main" id="{152FDA24-D635-07D2-533D-FFE44CBDD1C9}"/>
+              </a:ext>
+            </a:extLst>
+          </p:cNvPr>
+          <p:cNvSpPr txBox="1"/>
+          <p:nvPr/>
+        </p:nvSpPr>
+        <p:spPr>
+          <a:xfrm>
+            <a:off x="5061868" y="4050102"/>
+            <a:ext cx="213200" cy="200055"/>
+          </a:xfrm>
+          <a:prstGeom prst="rect">
+            <a:avLst/>
+          </a:prstGeom>
+          <a:noFill/>
+          <a:ln w="12700" cap="flat">
+            <a:noFill/>
+            <a:miter lim="400000"/>
+          </a:ln>
+          <a:effectLst/>
+          <a:sp3d/>
+        </p:spPr>
+        <p:style>
+          <a:lnRef idx="0">
+            <a:scrgbClr r="0" g="0" b="0"/>
+          </a:lnRef>
+          <a:fillRef idx="0">
+            <a:scrgbClr r="0" g="0" b="0"/>
+          </a:fillRef>
+          <a:effectRef idx="0">
+            <a:scrgbClr r="0" g="0" b="0"/>
+          </a:effectRef>
+          <a:fontRef idx="none"/>
+        </p:style>
+        <p:txBody>
+          <a:bodyPr rot="0" spcFirstLastPara="1" vertOverflow="overflow" horzOverflow="overflow" vert="horz" wrap="none" lIns="0" tIns="0" rIns="0" bIns="0" numCol="1" spcCol="38100" rtlCol="0" anchor="t">
+            <a:spAutoFit/>
+          </a:bodyPr>
+          <a:lstStyle/>
+          <a:p>
+            <a:pPr marL="0" marR="0" indent="0" algn="l" defTabSz="684212" rtl="0" fontAlgn="auto" latinLnBrk="0" hangingPunct="0">
+              <a:lnSpc>
+                <a:spcPct val="100000"/>
+              </a:lnSpc>
+              <a:spcBef>
+                <a:spcPts val="0"/>
+              </a:spcBef>
+              <a:spcAft>
+                <a:spcPts val="0"/>
+              </a:spcAft>
+              <a:buClrTx/>
+              <a:buSzTx/>
+              <a:buFontTx/>
+              <a:buNone/>
+              <a:tabLst/>
+            </a:pPr>
+            <a:r>
+              <a:rPr kumimoji="0" lang="en-US" sz="1300" b="0" i="0" u="none" strike="noStrike" cap="none" spc="0" normalizeH="0" baseline="0" dirty="0">
+                <a:ln>
+                  <a:noFill/>
+                </a:ln>
+                <a:solidFill>
+                  <a:srgbClr val="000000"/>
+                </a:solidFill>
+                <a:effectLst/>
+                <a:uFillTx/>
+                <a:latin typeface="Arial"/>
+                <a:ea typeface="Arial"/>
+                <a:cs typeface="Arial"/>
+                <a:sym typeface="Arial"/>
+              </a:rPr>
+              <a:t>R2</a:t>
+            </a:r>
+          </a:p>
+        </p:txBody>
+      </p:sp>
+      <p:pic>
+        <p:nvPicPr>
+          <p:cNvPr id="25" name="Picture 24" descr="A circle of grey circles&#10;&#10;Description automatically generated">
+            <a:extLst>
+              <a:ext uri="{FF2B5EF4-FFF2-40B4-BE49-F238E27FC236}">
+                <a16:creationId xmlns:a16="http://schemas.microsoft.com/office/drawing/2014/main" id="{EFED0F6F-9359-FB36-E1C1-69EDB2229511}"/>
+              </a:ext>
+            </a:extLst>
+          </p:cNvPr>
+          <p:cNvPicPr>
+            <a:picLocks noChangeAspect="1"/>
+          </p:cNvPicPr>
+          <p:nvPr/>
+        </p:nvPicPr>
+        <p:blipFill>
+          <a:blip r:embed="rId2"/>
+          <a:stretch>
+            <a:fillRect/>
+          </a:stretch>
+        </p:blipFill>
+        <p:spPr>
+          <a:xfrm>
+            <a:off x="6449615" y="2813664"/>
+            <a:ext cx="2430300" cy="2263384"/>
+          </a:xfrm>
+          <a:prstGeom prst="rect">
+            <a:avLst/>
+          </a:prstGeom>
+        </p:spPr>
+      </p:pic>
+      <p:sp>
+        <p:nvSpPr>
+          <p:cNvPr id="26" name="TextBox 25">
+            <a:extLst>
+              <a:ext uri="{FF2B5EF4-FFF2-40B4-BE49-F238E27FC236}">
+                <a16:creationId xmlns:a16="http://schemas.microsoft.com/office/drawing/2014/main" id="{E511A545-BB2F-5EEE-A279-2E0E17EA52BA}"/>
+              </a:ext>
+            </a:extLst>
+          </p:cNvPr>
+          <p:cNvSpPr txBox="1"/>
+          <p:nvPr/>
+        </p:nvSpPr>
+        <p:spPr>
+          <a:xfrm>
+            <a:off x="8846207" y="3745971"/>
+            <a:ext cx="2018105" cy="646331"/>
           </a:xfrm>
           <a:prstGeom prst="rect">
             <a:avLst/>
           </a:prstGeom>
           <a:noFill/>
         </p:spPr>
-        <p:style>
-          <a:lnRef idx="2">
-            <a:schemeClr val="accent1">
-              <a:shade val="50000"/>
-            </a:schemeClr>
-          </a:lnRef>
-          <a:fillRef idx="1">
-            <a:schemeClr val="accent1"/>
-          </a:fillRef>
-          <a:effectRef idx="0">
-            <a:schemeClr val="accent1"/>
-          </a:effectRef>
-          <a:fontRef idx="minor">
-            <a:schemeClr val="lt1"/>
-          </a:fontRef>
-        </p:style>
-        <p:txBody>
-          <a:bodyPr rtlCol="0" anchor="ctr"/>
-          <a:lstStyle/>
-          <a:p>
-            <a:pPr algn="ctr"/>
-            <a:endParaRPr lang="en-US"/>
+        <p:txBody>
+          <a:bodyPr wrap="square" rtlCol="0">
+            <a:spAutoFit/>
+          </a:bodyPr>
+          <a:lstStyle/>
+          <a:p>
+            <a:r>
+              <a:rPr lang="en-US" dirty="0"/>
+              <a:t>0 deg </a:t>
+            </a:r>
+          </a:p>
+          <a:p>
+            <a:r>
+              <a:rPr lang="en-US" dirty="0"/>
+              <a:t>o1,o2 in [-360,360]</a:t>
+            </a:r>
           </a:p>
         </p:txBody>
       </p:sp>
       <p:cxnSp>
         <p:nvCxnSpPr>
-          <p:cNvPr id="6" name="Straight Arrow Connector 5">
-            <a:extLst>
-              <a:ext uri="{FF2B5EF4-FFF2-40B4-BE49-F238E27FC236}">
-                <a16:creationId xmlns:a16="http://schemas.microsoft.com/office/drawing/2014/main" id="{D60541A7-AB37-E44E-A10B-A0C8639C7A6F}"/>
+          <p:cNvPr id="27" name="Straight Arrow Connector 26">
+            <a:extLst>
+              <a:ext uri="{FF2B5EF4-FFF2-40B4-BE49-F238E27FC236}">
+                <a16:creationId xmlns:a16="http://schemas.microsoft.com/office/drawing/2014/main" id="{BB40AF3E-B70E-1F07-BA10-BFAFFFC5408E}"/>
               </a:ext>
             </a:extLst>
           </p:cNvPr>
           <p:cNvCxnSpPr>
             <a:cxnSpLocks/>
-            <a:endCxn id="4" idx="3"/>
           </p:cNvCxnSpPr>
           <p:nvPr/>
         </p:nvCxnSpPr>
         <p:spPr>
           <a:xfrm>
-            <a:off x="2634712" y="1828800"/>
-            <a:ext cx="867905" cy="0"/>
+            <a:off x="7692460" y="3969234"/>
+            <a:ext cx="910466" cy="0"/>
           </a:xfrm>
           <a:prstGeom prst="straightConnector1">
             <a:avLst/>
           </a:prstGeom>
-          <a:ln w="12700">
+          <a:noFill/>
+          <a:ln w="12700" cap="flat">
+            <a:solidFill>
+              <a:schemeClr val="tx1"/>
+            </a:solidFill>
+            <a:prstDash val="solid"/>
+            <a:miter lim="800000"/>
             <a:tailEnd type="triangle"/>
+          </a:ln>
+          <a:effectLst/>
+          <a:sp3d/>
+        </p:spPr>
+        <p:style>
+          <a:lnRef idx="0">
+            <a:scrgbClr r="0" g="0" b="0"/>
+          </a:lnRef>
+          <a:fillRef idx="0">
+            <a:scrgbClr r="0" g="0" b="0"/>
+          </a:fillRef>
+          <a:effectRef idx="0">
+            <a:scrgbClr r="0" g="0" b="0"/>
+          </a:effectRef>
+          <a:fontRef idx="none"/>
+        </p:style>
+      </p:cxnSp>
+      <p:sp>
+        <p:nvSpPr>
+          <p:cNvPr id="29" name="Arc 28">
+            <a:extLst>
+              <a:ext uri="{FF2B5EF4-FFF2-40B4-BE49-F238E27FC236}">
+                <a16:creationId xmlns:a16="http://schemas.microsoft.com/office/drawing/2014/main" id="{F677E12D-7431-6D30-CDE6-AF37EAD8E121}"/>
+              </a:ext>
+            </a:extLst>
+          </p:cNvPr>
+          <p:cNvSpPr/>
+          <p:nvPr/>
+        </p:nvSpPr>
+        <p:spPr>
+          <a:xfrm rot="439234">
+            <a:off x="6298090" y="2754852"/>
+            <a:ext cx="2514120" cy="2217514"/>
+          </a:xfrm>
+          <a:prstGeom prst="arc">
+            <a:avLst>
+              <a:gd name="adj1" fmla="val 16614185"/>
+              <a:gd name="adj2" fmla="val 21543791"/>
+            </a:avLst>
+          </a:prstGeom>
+          <a:ln>
+            <a:headEnd type="triangle" w="lg" len="lg"/>
+            <a:tailEnd type="none" w="lg" len="lg"/>
           </a:ln>
         </p:spPr>
         <p:style>
@@ -3409,55 +4261,21 @@
             <a:schemeClr val="tx1"/>
           </a:fontRef>
         </p:style>
-      </p:cxnSp>
-      <p:cxnSp>
-        <p:nvCxnSpPr>
-          <p:cNvPr id="8" name="Straight Arrow Connector 7">
-            <a:extLst>
-              <a:ext uri="{FF2B5EF4-FFF2-40B4-BE49-F238E27FC236}">
-                <a16:creationId xmlns:a16="http://schemas.microsoft.com/office/drawing/2014/main" id="{6464FCDF-9D37-6628-21F1-975EE18F47B6}"/>
-              </a:ext>
-            </a:extLst>
-          </p:cNvPr>
-          <p:cNvCxnSpPr>
-            <a:cxnSpLocks/>
-            <a:endCxn id="4" idx="0"/>
-          </p:cNvCxnSpPr>
-          <p:nvPr/>
-        </p:nvCxnSpPr>
-        <p:spPr>
-          <a:xfrm flipH="1" flipV="1">
-            <a:off x="2626963" y="1487837"/>
-            <a:ext cx="7749" cy="340963"/>
-          </a:xfrm>
-          <a:prstGeom prst="straightConnector1">
-            <a:avLst/>
-          </a:prstGeom>
-          <a:ln w="12700">
-            <a:tailEnd type="triangle"/>
-          </a:ln>
-        </p:spPr>
-        <p:style>
-          <a:lnRef idx="1">
-            <a:schemeClr val="accent1"/>
-          </a:lnRef>
-          <a:fillRef idx="0">
-            <a:schemeClr val="accent1"/>
-          </a:fillRef>
-          <a:effectRef idx="0">
-            <a:schemeClr val="accent1"/>
-          </a:effectRef>
-          <a:fontRef idx="minor">
-            <a:schemeClr val="tx1"/>
-          </a:fontRef>
-        </p:style>
-      </p:cxnSp>
-      <p:sp>
-        <p:nvSpPr>
-          <p:cNvPr id="11" name="TextBox 10">
-            <a:extLst>
-              <a:ext uri="{FF2B5EF4-FFF2-40B4-BE49-F238E27FC236}">
-                <a16:creationId xmlns:a16="http://schemas.microsoft.com/office/drawing/2014/main" id="{8BCA35C2-23CC-715B-B3FB-F148DCF4806E}"/>
+        <p:txBody>
+          <a:bodyPr rtlCol="0" anchor="ctr"/>
+          <a:lstStyle/>
+          <a:p>
+            <a:pPr algn="ctr"/>
+            <a:endParaRPr lang="en-US"/>
+          </a:p>
+        </p:txBody>
+      </p:sp>
+      <p:sp>
+        <p:nvSpPr>
+          <p:cNvPr id="30" name="TextBox 29">
+            <a:extLst>
+              <a:ext uri="{FF2B5EF4-FFF2-40B4-BE49-F238E27FC236}">
+                <a16:creationId xmlns:a16="http://schemas.microsoft.com/office/drawing/2014/main" id="{C4FFBCB1-5D92-1F1C-0A87-707548BAD69A}"/>
               </a:ext>
             </a:extLst>
           </p:cNvPr>
@@ -3466,8 +4284,8 @@
         </p:nvSpPr>
         <p:spPr>
           <a:xfrm>
-            <a:off x="2861986" y="1800431"/>
-            <a:ext cx="444352" cy="369332"/>
+            <a:off x="5062615" y="4942508"/>
+            <a:ext cx="523220" cy="369332"/>
           </a:xfrm>
           <a:prstGeom prst="rect">
             <a:avLst/>
@@ -3482,17 +4300,17 @@
           <a:p>
             <a:r>
               <a:rPr lang="en-US" dirty="0"/>
-              <a:t>D1</a:t>
-            </a:r>
-          </a:p>
-        </p:txBody>
-      </p:sp>
-      <p:sp>
-        <p:nvSpPr>
-          <p:cNvPr id="12" name="TextBox 11">
-            <a:extLst>
-              <a:ext uri="{FF2B5EF4-FFF2-40B4-BE49-F238E27FC236}">
-                <a16:creationId xmlns:a16="http://schemas.microsoft.com/office/drawing/2014/main" id="{40E5A908-71EC-66B7-DAC5-38CDC0E34CB0}"/>
+              <a:t>box</a:t>
+            </a:r>
+          </a:p>
+        </p:txBody>
+      </p:sp>
+      <p:sp>
+        <p:nvSpPr>
+          <p:cNvPr id="31" name="TextBox 30">
+            <a:extLst>
+              <a:ext uri="{FF2B5EF4-FFF2-40B4-BE49-F238E27FC236}">
+                <a16:creationId xmlns:a16="http://schemas.microsoft.com/office/drawing/2014/main" id="{01FE4AFB-1D71-2C5E-6F06-B3827D8FBA1B}"/>
               </a:ext>
             </a:extLst>
           </p:cNvPr>
@@ -3501,8 +4319,8 @@
         </p:nvSpPr>
         <p:spPr>
           <a:xfrm>
-            <a:off x="2221355" y="1478841"/>
-            <a:ext cx="444352" cy="369332"/>
+            <a:off x="2336609" y="4942508"/>
+            <a:ext cx="1551459" cy="369332"/>
           </a:xfrm>
           <a:prstGeom prst="rect">
             <a:avLst/>
@@ -3510,109 +4328,50 @@
           <a:noFill/>
         </p:spPr>
         <p:txBody>
-          <a:bodyPr wrap="none" rtlCol="0">
+          <a:bodyPr wrap="square" rtlCol="0">
             <a:spAutoFit/>
           </a:bodyPr>
           <a:lstStyle/>
           <a:p>
             <a:r>
               <a:rPr lang="en-US" dirty="0"/>
-              <a:t>D2</a:t>
-            </a:r>
-          </a:p>
-        </p:txBody>
-      </p:sp>
-      <p:sp>
-        <p:nvSpPr>
-          <p:cNvPr id="14" name="Oval 13">
-            <a:extLst>
-              <a:ext uri="{FF2B5EF4-FFF2-40B4-BE49-F238E27FC236}">
-                <a16:creationId xmlns:a16="http://schemas.microsoft.com/office/drawing/2014/main" id="{1008D233-596B-AF11-2F37-A688E540D18F}"/>
-              </a:ext>
-            </a:extLst>
-          </p:cNvPr>
-          <p:cNvSpPr/>
+              <a:t>annulus/disk</a:t>
+            </a:r>
+          </a:p>
+        </p:txBody>
+      </p:sp>
+      <p:sp>
+        <p:nvSpPr>
+          <p:cNvPr id="32" name="TextBox 31">
+            <a:extLst>
+              <a:ext uri="{FF2B5EF4-FFF2-40B4-BE49-F238E27FC236}">
+                <a16:creationId xmlns:a16="http://schemas.microsoft.com/office/drawing/2014/main" id="{307FB82F-1A34-13DE-891A-9F6169315B41}"/>
+              </a:ext>
+            </a:extLst>
+          </p:cNvPr>
+          <p:cNvSpPr txBox="1"/>
           <p:nvPr/>
         </p:nvSpPr>
         <p:spPr>
           <a:xfrm>
-            <a:off x="4626243" y="1580827"/>
-            <a:ext cx="495946" cy="495946"/>
+            <a:off x="7394566" y="4938838"/>
+            <a:ext cx="548548" cy="369332"/>
           </a:xfrm>
-          <a:prstGeom prst="ellipse">
+          <a:prstGeom prst="rect">
             <a:avLst/>
           </a:prstGeom>
           <a:noFill/>
         </p:spPr>
-        <p:style>
-          <a:lnRef idx="2">
-            <a:schemeClr val="accent1">
-              <a:shade val="50000"/>
-            </a:schemeClr>
-          </a:lnRef>
-          <a:fillRef idx="1">
-            <a:schemeClr val="accent1"/>
-          </a:fillRef>
-          <a:effectRef idx="0">
-            <a:schemeClr val="accent1"/>
-          </a:effectRef>
-          <a:fontRef idx="minor">
-            <a:schemeClr val="lt1"/>
-          </a:fontRef>
-        </p:style>
-        <p:txBody>
-          <a:bodyPr rtlCol="0" anchor="ctr"/>
-          <a:lstStyle/>
-          <a:p>
-            <a:pPr algn="ctr"/>
-            <a:endParaRPr lang="en-US"/>
-          </a:p>
-        </p:txBody>
-      </p:sp>
-      <p:sp>
-        <p:nvSpPr>
-          <p:cNvPr id="15" name="Oval 14">
-            <a:extLst>
-              <a:ext uri="{FF2B5EF4-FFF2-40B4-BE49-F238E27FC236}">
-                <a16:creationId xmlns:a16="http://schemas.microsoft.com/office/drawing/2014/main" id="{118728E3-BF85-D24C-8699-8AB9260A00FD}"/>
-              </a:ext>
-            </a:extLst>
-          </p:cNvPr>
-          <p:cNvSpPr/>
-          <p:nvPr/>
-        </p:nvSpPr>
-        <p:spPr>
-          <a:xfrm>
-            <a:off x="4417016" y="1371600"/>
-            <a:ext cx="914400" cy="914400"/>
-          </a:xfrm>
-          <a:prstGeom prst="ellipse">
-            <a:avLst/>
-          </a:prstGeom>
-          <a:noFill/>
-        </p:spPr>
-        <p:style>
-          <a:lnRef idx="2">
-            <a:schemeClr val="accent1">
-              <a:shade val="50000"/>
-            </a:schemeClr>
-          </a:lnRef>
-          <a:fillRef idx="1">
-            <a:schemeClr val="accent1"/>
-          </a:fillRef>
-          <a:effectRef idx="0">
-            <a:schemeClr val="accent1"/>
-          </a:effectRef>
-          <a:fontRef idx="minor">
-            <a:schemeClr val="lt1"/>
-          </a:fontRef>
-        </p:style>
-        <p:txBody>
-          <a:bodyPr rtlCol="0" anchor="ctr"/>
-          <a:lstStyle/>
-          <a:p>
-            <a:pPr algn="ctr"/>
-            <a:endParaRPr lang="en-US" dirty="0"/>
+        <p:txBody>
+          <a:bodyPr wrap="none" rtlCol="0">
+            <a:spAutoFit/>
+          </a:bodyPr>
+          <a:lstStyle/>
+          <a:p>
+            <a:r>
+              <a:rPr lang="en-US" dirty="0"/>
+              <a:t>ring</a:t>
+            </a:r>
           </a:p>
         </p:txBody>
       </p:sp>
